--- a/CS115_Presentation.pptx
+++ b/CS115_Presentation.pptx
@@ -5,14 +5,22 @@
     <p:sldMasterId id="2147483654" r:id="rId1"/>
   </p:sldMasterIdLst>
   <p:notesMasterIdLst>
-    <p:notesMasterId r:id="rId7"/>
+    <p:notesMasterId r:id="rId15"/>
   </p:notesMasterIdLst>
   <p:sldIdLst>
     <p:sldId id="256" r:id="rId2"/>
     <p:sldId id="257" r:id="rId3"/>
     <p:sldId id="258" r:id="rId4"/>
     <p:sldId id="259" r:id="rId5"/>
-    <p:sldId id="260" r:id="rId6"/>
+    <p:sldId id="265" r:id="rId6"/>
+    <p:sldId id="261" r:id="rId7"/>
+    <p:sldId id="262" r:id="rId8"/>
+    <p:sldId id="263" r:id="rId9"/>
+    <p:sldId id="264" r:id="rId10"/>
+    <p:sldId id="266" r:id="rId11"/>
+    <p:sldId id="267" r:id="rId12"/>
+    <p:sldId id="268" r:id="rId13"/>
+    <p:sldId id="260" r:id="rId14"/>
   </p:sldIdLst>
   <p:sldSz cx="9144000" cy="5143500" type="screen16x9"/>
   <p:notesSz cx="6858000" cy="9144000"/>
@@ -521,8 +529,8 @@
         </p:nvSpPr>
         <p:spPr>
           <a:xfrm>
-            <a:off x="381187" y="685800"/>
-            <a:ext cx="6096299" cy="3429000"/>
+            <a:off x="381000" y="685800"/>
+            <a:ext cx="6096000" cy="3429000"/>
           </a:xfrm>
           <a:custGeom>
             <a:avLst/>
@@ -632,8 +640,8 @@
         </p:nvSpPr>
         <p:spPr>
           <a:xfrm>
-            <a:off x="381187" y="685800"/>
-            <a:ext cx="6096299" cy="3429000"/>
+            <a:off x="381000" y="685800"/>
+            <a:ext cx="6096000" cy="3429000"/>
           </a:xfrm>
           <a:custGeom>
             <a:avLst/>
@@ -743,8 +751,8 @@
         </p:nvSpPr>
         <p:spPr>
           <a:xfrm>
-            <a:off x="381187" y="685800"/>
-            <a:ext cx="6096299" cy="3429000"/>
+            <a:off x="381000" y="685800"/>
+            <a:ext cx="6096000" cy="3429000"/>
           </a:xfrm>
           <a:custGeom>
             <a:avLst/>
@@ -854,8 +862,8 @@
         </p:nvSpPr>
         <p:spPr>
           <a:xfrm>
-            <a:off x="381187" y="685800"/>
-            <a:ext cx="6096299" cy="3429000"/>
+            <a:off x="381000" y="685800"/>
+            <a:ext cx="6096000" cy="3429000"/>
           </a:xfrm>
           <a:custGeom>
             <a:avLst/>
@@ -3081,7 +3089,7 @@
         </p:nvSpPr>
         <p:spPr>
           <a:xfrm>
-            <a:off x="685800" y="1475006"/>
+            <a:off x="685800" y="334526"/>
             <a:ext cx="7772400" cy="1648800"/>
           </a:xfrm>
           <a:prstGeom prst="rect">
@@ -3101,7 +3109,7 @@
               <a:buNone/>
             </a:pPr>
             <a:r>
-              <a:rPr lang="en"/>
+              <a:rPr lang="en" dirty="0"/>
               <a:t>Classroom Hero</a:t>
             </a:r>
           </a:p>
@@ -3145,179 +3153,86 @@
           </a:p>
         </p:txBody>
       </p:sp>
-    </p:spTree>
-  </p:cSld>
-  <p:clrMapOvr>
-    <a:masterClrMapping/>
-  </p:clrMapOvr>
-  <p:transition xmlns:p14="http://schemas.microsoft.com/office/powerpoint/2010/main" spd="slow">
-    <p:cut/>
-  </p:transition>
-  <p:timing>
-    <p:tnLst>
-      <p:par>
-        <p:cTn xmlns:p14="http://schemas.microsoft.com/office/powerpoint/2010/main" id="1" dur="indefinite" restart="never" nodeType="tmRoot"/>
-      </p:par>
-    </p:tnLst>
-  </p:timing>
-</p:sld>
-</file>
-
-<file path=ppt/slides/slide2.xml><?xml version="1.0" encoding="utf-8"?>
-<p:sld xmlns:a="http://schemas.openxmlformats.org/drawingml/2006/main" xmlns:r="http://schemas.openxmlformats.org/officeDocument/2006/relationships" xmlns:p="http://schemas.openxmlformats.org/presentationml/2006/main">
-  <p:cSld>
-    <p:spTree>
-      <p:nvGrpSpPr>
-        <p:cNvPr id="1" name="Shape 38"/>
-        <p:cNvGrpSpPr/>
-        <p:nvPr/>
-      </p:nvGrpSpPr>
-      <p:grpSpPr>
-        <a:xfrm>
-          <a:off x="0" y="0"/>
-          <a:ext cx="0" cy="0"/>
-          <a:chOff x="0" y="0"/>
-          <a:chExt cx="0" cy="0"/>
-        </a:xfrm>
-      </p:grpSpPr>
       <p:sp>
         <p:nvSpPr>
-          <p:cNvPr id="39" name="Shape 39"/>
-          <p:cNvSpPr txBox="1">
-            <a:spLocks noGrp="1"/>
-          </p:cNvSpPr>
-          <p:nvPr>
-            <p:ph type="title"/>
-          </p:nvPr>
+          <p:cNvPr id="2" name="TextBox 1"/>
+          <p:cNvSpPr txBox="1"/>
+          <p:nvPr/>
         </p:nvSpPr>
         <p:spPr>
           <a:xfrm>
-            <a:off x="457200" y="205978"/>
-            <a:ext cx="8229600" cy="857400"/>
+            <a:off x="1195446" y="2332800"/>
+            <a:ext cx="5854100" cy="461665"/>
           </a:xfrm>
           <a:prstGeom prst="rect">
             <a:avLst/>
           </a:prstGeom>
+          <a:noFill/>
         </p:spPr>
         <p:txBody>
-          <a:bodyPr lIns="91425" tIns="91425" rIns="91425" bIns="91425" anchor="b" anchorCtr="0">
-            <a:noAutofit/>
+          <a:bodyPr wrap="square" rtlCol="0">
+            <a:spAutoFit/>
           </a:bodyPr>
           <a:lstStyle/>
           <a:p>
-            <a:pPr>
-              <a:spcBef>
-                <a:spcPts val="0"/>
-              </a:spcBef>
-              <a:buNone/>
-            </a:pPr>
-            <a:r>
-              <a:rPr lang="en"/>
-              <a:t>What is Classroom Hero?</a:t>
-            </a:r>
+            <a:pPr algn="ctr"/>
+            <a:r>
+              <a:rPr lang="en-US" sz="2400" dirty="0" smtClean="0">
+                <a:solidFill>
+                  <a:schemeClr val="bg1"/>
+                </a:solidFill>
+              </a:rPr>
+              <a:t>Powered by </a:t>
+            </a:r>
+            <a:r>
+              <a:rPr lang="en-US" sz="2400" dirty="0" err="1" smtClean="0">
+                <a:solidFill>
+                  <a:schemeClr val="bg1"/>
+                </a:solidFill>
+              </a:rPr>
+              <a:t>SnowShoe</a:t>
+            </a:r>
+            <a:r>
+              <a:rPr lang="en-US" sz="2400" dirty="0" smtClean="0">
+                <a:solidFill>
+                  <a:schemeClr val="bg1"/>
+                </a:solidFill>
+              </a:rPr>
+              <a:t> Stamps</a:t>
+            </a:r>
+            <a:endParaRPr lang="en-US" sz="2400" dirty="0">
+              <a:solidFill>
+                <a:schemeClr val="bg1"/>
+              </a:solidFill>
+            </a:endParaRPr>
           </a:p>
         </p:txBody>
       </p:sp>
       <p:sp>
         <p:nvSpPr>
-          <p:cNvPr id="40" name="Shape 40"/>
-          <p:cNvSpPr txBox="1">
-            <a:spLocks noGrp="1"/>
-          </p:cNvSpPr>
-          <p:nvPr>
-            <p:ph type="body" idx="1"/>
-          </p:nvPr>
+          <p:cNvPr id="3" name="TextBox 2"/>
+          <p:cNvSpPr txBox="1"/>
+          <p:nvPr/>
         </p:nvSpPr>
         <p:spPr>
           <a:xfrm>
-            <a:off x="457200" y="928950"/>
-            <a:ext cx="8229600" cy="3725699"/>
+            <a:off x="842316" y="4401325"/>
+            <a:ext cx="4263421" cy="369332"/>
           </a:xfrm>
           <a:prstGeom prst="rect">
             <a:avLst/>
           </a:prstGeom>
+          <a:noFill/>
         </p:spPr>
         <p:txBody>
-          <a:bodyPr lIns="91425" tIns="91425" rIns="91425" bIns="91425" anchor="t" anchorCtr="0">
-            <a:noAutofit/>
+          <a:bodyPr wrap="square" rtlCol="0">
+            <a:spAutoFit/>
           </a:bodyPr>
           <a:lstStyle/>
           <a:p>
-            <a:pPr lvl="0" rtl="0">
-              <a:spcBef>
-                <a:spcPts val="0"/>
-              </a:spcBef>
-              <a:buNone/>
-            </a:pPr>
-            <a:endParaRPr/>
-          </a:p>
-          <a:p>
-            <a:pPr marL="457200" lvl="0" indent="-419100" rtl="0">
-              <a:spcBef>
-                <a:spcPts val="0"/>
-              </a:spcBef>
-              <a:buClr>
-                <a:schemeClr val="dk1"/>
-              </a:buClr>
-              <a:buSzPct val="100000"/>
-              <a:buFont typeface="Arial"/>
-              <a:buChar char="●"/>
-            </a:pPr>
-            <a:r>
-              <a:rPr lang="en"/>
-              <a:t>Startup created by Josh and his two friends</a:t>
-            </a:r>
-          </a:p>
-          <a:p>
-            <a:pPr lvl="0" rtl="0">
-              <a:spcBef>
-                <a:spcPts val="0"/>
-              </a:spcBef>
-              <a:buNone/>
-            </a:pPr>
-            <a:endParaRPr/>
-          </a:p>
-          <a:p>
-            <a:pPr marL="457200" lvl="0" indent="-419100" rtl="0">
-              <a:spcBef>
-                <a:spcPts val="0"/>
-              </a:spcBef>
-              <a:buClr>
-                <a:schemeClr val="dk1"/>
-              </a:buClr>
-              <a:buSzPct val="100000"/>
-              <a:buFont typeface="Arial"/>
-              <a:buChar char="●"/>
-            </a:pPr>
-            <a:r>
-              <a:rPr lang="en"/>
-              <a:t>Goal: motivate children to engage in learning</a:t>
-            </a:r>
-          </a:p>
-          <a:p>
-            <a:pPr lvl="0" rtl="0">
-              <a:spcBef>
-                <a:spcPts val="0"/>
-              </a:spcBef>
-              <a:buNone/>
-            </a:pPr>
-            <a:endParaRPr/>
-          </a:p>
-          <a:p>
-            <a:pPr marL="457200" lvl="0" indent="-419100" rtl="0">
-              <a:spcBef>
-                <a:spcPts val="0"/>
-              </a:spcBef>
-              <a:buClr>
-                <a:schemeClr val="dk1"/>
-              </a:buClr>
-              <a:buSzPct val="100000"/>
-              <a:buFont typeface="Arial"/>
-              <a:buChar char="●"/>
-            </a:pPr>
-            <a:r>
-              <a:rPr lang="en"/>
-              <a:t>Startup Next</a:t>
+            <a:r>
+              <a:rPr lang="en-US" sz="1800" dirty="0" smtClean="0"/>
+              <a:t>December 5, 2014</a:t>
             </a:r>
           </a:p>
         </p:txBody>
@@ -3340,12 +3255,12 @@
 </p:sld>
 </file>
 
-<file path=ppt/slides/slide3.xml><?xml version="1.0" encoding="utf-8"?>
+<file path=ppt/slides/slide10.xml><?xml version="1.0" encoding="utf-8"?>
 <p:sld xmlns:a="http://schemas.openxmlformats.org/drawingml/2006/main" xmlns:r="http://schemas.openxmlformats.org/officeDocument/2006/relationships" xmlns:p="http://schemas.openxmlformats.org/presentationml/2006/main">
   <p:cSld>
     <p:spTree>
       <p:nvGrpSpPr>
-        <p:cNvPr id="1" name="Shape 44"/>
+        <p:cNvPr id="1" name=""/>
         <p:cNvGrpSpPr/>
         <p:nvPr/>
       </p:nvGrpSpPr>
@@ -3359,161 +3274,101 @@
       </p:grpSpPr>
       <p:sp>
         <p:nvSpPr>
-          <p:cNvPr id="45" name="Shape 45"/>
-          <p:cNvSpPr txBox="1">
+          <p:cNvPr id="2" name="Title 1"/>
+          <p:cNvSpPr>
             <a:spLocks noGrp="1"/>
           </p:cNvSpPr>
           <p:nvPr>
             <p:ph type="title"/>
           </p:nvPr>
         </p:nvSpPr>
-        <p:spPr>
-          <a:xfrm>
-            <a:off x="457200" y="205978"/>
-            <a:ext cx="8229600" cy="857400"/>
-          </a:xfrm>
-          <a:prstGeom prst="rect">
-            <a:avLst/>
-          </a:prstGeom>
-        </p:spPr>
+        <p:spPr/>
         <p:txBody>
-          <a:bodyPr lIns="91425" tIns="91425" rIns="91425" bIns="91425" anchor="b" anchorCtr="0">
-            <a:noAutofit/>
-          </a:bodyPr>
+          <a:bodyPr/>
           <a:lstStyle/>
           <a:p>
-            <a:pPr>
-              <a:spcBef>
-                <a:spcPts val="0"/>
-              </a:spcBef>
-              <a:buNone/>
-            </a:pPr>
-            <a:r>
-              <a:rPr lang="en"/>
-              <a:t>What are we doing?</a:t>
-            </a:r>
+            <a:r>
+              <a:rPr lang="en-US" dirty="0" smtClean="0"/>
+              <a:t>Things we enjoyed</a:t>
+            </a:r>
+            <a:endParaRPr lang="en-US" dirty="0"/>
           </a:p>
         </p:txBody>
       </p:sp>
       <p:sp>
         <p:nvSpPr>
-          <p:cNvPr id="46" name="Shape 46"/>
-          <p:cNvSpPr txBox="1">
+          <p:cNvPr id="3" name="Text Placeholder 2"/>
+          <p:cNvSpPr>
             <a:spLocks noGrp="1"/>
           </p:cNvSpPr>
           <p:nvPr>
             <p:ph type="body" idx="1"/>
           </p:nvPr>
         </p:nvSpPr>
-        <p:spPr>
-          <a:xfrm>
-            <a:off x="457200" y="1200150"/>
-            <a:ext cx="8229600" cy="3725699"/>
-          </a:xfrm>
-          <a:prstGeom prst="rect">
-            <a:avLst/>
-          </a:prstGeom>
-        </p:spPr>
+        <p:spPr/>
         <p:txBody>
-          <a:bodyPr lIns="91425" tIns="91425" rIns="91425" bIns="91425" anchor="t" anchorCtr="0">
-            <a:noAutofit/>
-          </a:bodyPr>
+          <a:bodyPr/>
           <a:lstStyle/>
           <a:p>
-            <a:pPr marL="457200" lvl="0" indent="-419100" rtl="0">
-              <a:spcBef>
-                <a:spcPts val="0"/>
-              </a:spcBef>
-              <a:buClr>
-                <a:schemeClr val="dk1"/>
-              </a:buClr>
-              <a:buSzPct val="100000"/>
+            <a:pPr marL="457200" indent="-457200">
               <a:buFont typeface="Arial"/>
-              <a:buChar char="●"/>
-            </a:pPr>
-            <a:r>
-              <a:rPr lang="en" dirty="0"/>
-              <a:t>Classroom Hero still lacks a polished, functional website</a:t>
-            </a:r>
-          </a:p>
-          <a:p>
-            <a:pPr lvl="0" rtl="0">
-              <a:spcBef>
-                <a:spcPts val="0"/>
-              </a:spcBef>
-              <a:buNone/>
-            </a:pPr>
-            <a:endParaRPr sz="1400" dirty="0"/>
-          </a:p>
-          <a:p>
-            <a:pPr marL="457200" lvl="0" indent="-419100" rtl="0">
-              <a:spcBef>
-                <a:spcPts val="0"/>
-              </a:spcBef>
-              <a:buClr>
-                <a:schemeClr val="dk1"/>
-              </a:buClr>
-              <a:buSzPct val="100000"/>
+              <a:buChar char="•"/>
+            </a:pPr>
+            <a:r>
+              <a:rPr lang="en-US" dirty="0" smtClean="0"/>
+              <a:t>Scrum meetings with Grace because she’s awesome.</a:t>
+            </a:r>
+          </a:p>
+          <a:p>
+            <a:pPr marL="457200" indent="-457200">
               <a:buFont typeface="Arial"/>
-              <a:buChar char="●"/>
-            </a:pPr>
-            <a:r>
-              <a:rPr lang="en" dirty="0"/>
-              <a:t>In the modern tech world, a beautiful website is a must in order to be taken seriously</a:t>
-            </a:r>
-          </a:p>
-          <a:p>
-            <a:pPr lvl="0" rtl="0">
-              <a:spcBef>
-                <a:spcPts val="0"/>
-              </a:spcBef>
-              <a:buNone/>
-            </a:pPr>
-            <a:endParaRPr sz="1400" dirty="0"/>
-          </a:p>
-          <a:p>
-            <a:pPr marL="457200" lvl="0" indent="-419100" rtl="0">
-              <a:spcBef>
-                <a:spcPts val="0"/>
-              </a:spcBef>
-              <a:buClr>
-                <a:schemeClr val="dk1"/>
-              </a:buClr>
-              <a:buSzPct val="100000"/>
+              <a:buChar char="•"/>
+            </a:pPr>
+            <a:r>
+              <a:rPr lang="en-US" dirty="0" smtClean="0"/>
+              <a:t>Doing a </a:t>
+            </a:r>
+            <a:r>
+              <a:rPr lang="en-US" dirty="0" err="1" smtClean="0"/>
+              <a:t>google</a:t>
+            </a:r>
+            <a:r>
+              <a:rPr lang="en-US" dirty="0" smtClean="0"/>
+              <a:t> hangout with the rest of the company</a:t>
+            </a:r>
+          </a:p>
+          <a:p>
+            <a:pPr marL="457200" indent="-457200">
               <a:buFont typeface="Arial"/>
-              <a:buChar char="●"/>
-            </a:pPr>
-            <a:r>
-              <a:rPr lang="en" dirty="0"/>
-              <a:t>We are going to redesign and build Classroom Hero’s front end website</a:t>
-            </a:r>
+              <a:buChar char="•"/>
+            </a:pPr>
+            <a:r>
+              <a:rPr lang="en-US" dirty="0" smtClean="0"/>
+              <a:t>Watching the site take shape</a:t>
+            </a:r>
+            <a:endParaRPr lang="en-US" dirty="0"/>
           </a:p>
         </p:txBody>
       </p:sp>
     </p:spTree>
+    <p:extLst>
+      <p:ext uri="{BB962C8B-B14F-4D97-AF65-F5344CB8AC3E}">
+        <p14:creationId xmlns:p14="http://schemas.microsoft.com/office/powerpoint/2010/main" val="3310919754"/>
+      </p:ext>
+    </p:extLst>
   </p:cSld>
   <p:clrMapOvr>
     <a:masterClrMapping/>
   </p:clrMapOvr>
-  <p:transition xmlns:p14="http://schemas.microsoft.com/office/powerpoint/2010/main" spd="slow">
-    <p:cut/>
-  </p:transition>
-  <p:timing>
-    <p:tnLst>
-      <p:par>
-        <p:cTn xmlns:p14="http://schemas.microsoft.com/office/powerpoint/2010/main" id="1" dur="indefinite" restart="never" nodeType="tmRoot"/>
-      </p:par>
-    </p:tnLst>
-  </p:timing>
 </p:sld>
 </file>
 
-<file path=ppt/slides/slide4.xml><?xml version="1.0" encoding="utf-8"?>
+<file path=ppt/slides/slide11.xml><?xml version="1.0" encoding="utf-8"?>
 <p:sld xmlns:a="http://schemas.openxmlformats.org/drawingml/2006/main" xmlns:r="http://schemas.openxmlformats.org/officeDocument/2006/relationships" xmlns:p="http://schemas.openxmlformats.org/presentationml/2006/main">
   <p:cSld>
     <p:spTree>
       <p:nvGrpSpPr>
-        <p:cNvPr id="1" name="Shape 50"/>
+        <p:cNvPr id="1" name=""/>
         <p:cNvGrpSpPr/>
         <p:nvPr/>
       </p:nvGrpSpPr>
@@ -3527,46 +3382,31 @@
       </p:grpSpPr>
       <p:sp>
         <p:nvSpPr>
-          <p:cNvPr id="51" name="Shape 51"/>
-          <p:cNvSpPr txBox="1">
+          <p:cNvPr id="2" name="Title 1"/>
+          <p:cNvSpPr>
             <a:spLocks noGrp="1"/>
           </p:cNvSpPr>
           <p:nvPr>
             <p:ph type="title"/>
           </p:nvPr>
         </p:nvSpPr>
-        <p:spPr>
-          <a:xfrm>
-            <a:off x="457200" y="205978"/>
-            <a:ext cx="8229600" cy="857400"/>
-          </a:xfrm>
-          <a:prstGeom prst="rect">
-            <a:avLst/>
-          </a:prstGeom>
-        </p:spPr>
+        <p:spPr/>
         <p:txBody>
-          <a:bodyPr lIns="91425" tIns="91425" rIns="91425" bIns="91425" anchor="b" anchorCtr="0">
-            <a:noAutofit/>
-          </a:bodyPr>
+          <a:bodyPr/>
           <a:lstStyle/>
           <a:p>
-            <a:pPr>
-              <a:spcBef>
-                <a:spcPts val="0"/>
-              </a:spcBef>
-              <a:buNone/>
-            </a:pPr>
-            <a:r>
-              <a:rPr lang="en"/>
-              <a:t>Tech we will use:</a:t>
-            </a:r>
+            <a:r>
+              <a:rPr lang="en-US" dirty="0" smtClean="0"/>
+              <a:t>Things we didn’t enjoy</a:t>
+            </a:r>
+            <a:endParaRPr lang="en-US" dirty="0"/>
           </a:p>
         </p:txBody>
       </p:sp>
       <p:sp>
         <p:nvSpPr>
-          <p:cNvPr id="52" name="Shape 52"/>
-          <p:cNvSpPr txBox="1">
+          <p:cNvPr id="3" name="Text Placeholder 2"/>
+          <p:cNvSpPr>
             <a:spLocks noGrp="1"/>
           </p:cNvSpPr>
           <p:nvPr>
@@ -3575,108 +3415,205 @@
         </p:nvSpPr>
         <p:spPr>
           <a:xfrm>
-            <a:off x="457200" y="1483250"/>
-            <a:ext cx="8229600" cy="3725699"/>
+            <a:off x="457200" y="1200150"/>
+            <a:ext cx="8229600" cy="3801985"/>
           </a:xfrm>
-          <a:prstGeom prst="rect">
-            <a:avLst/>
-          </a:prstGeom>
         </p:spPr>
         <p:txBody>
-          <a:bodyPr lIns="91425" tIns="91425" rIns="91425" bIns="91425" anchor="t" anchorCtr="0">
-            <a:noAutofit/>
-          </a:bodyPr>
+          <a:bodyPr/>
           <a:lstStyle/>
           <a:p>
-            <a:pPr marL="457200" lvl="0" indent="-419100" rtl="0">
-              <a:spcBef>
-                <a:spcPts val="0"/>
-              </a:spcBef>
-              <a:buClr>
-                <a:schemeClr val="dk1"/>
-              </a:buClr>
-              <a:buSzPct val="100000"/>
+            <a:pPr marL="457200" indent="-457200">
               <a:buFont typeface="Arial"/>
-              <a:buChar char="●"/>
-            </a:pPr>
-            <a:r>
-              <a:rPr lang="en" dirty="0"/>
-              <a:t>Haven’t talked much about what APIs/libraries we will use</a:t>
-            </a:r>
-          </a:p>
-          <a:p>
-            <a:pPr lvl="0" rtl="0">
-              <a:spcBef>
-                <a:spcPts val="0"/>
-              </a:spcBef>
-              <a:buNone/>
-            </a:pPr>
-            <a:endParaRPr sz="1800" dirty="0"/>
-          </a:p>
-          <a:p>
-            <a:pPr marL="457200" lvl="0" indent="-419100" rtl="0">
-              <a:spcBef>
-                <a:spcPts val="0"/>
-              </a:spcBef>
-              <a:buClr>
-                <a:schemeClr val="dk1"/>
-              </a:buClr>
-              <a:buSzPct val="100000"/>
+              <a:buChar char="•"/>
+            </a:pPr>
+            <a:r>
+              <a:rPr lang="en-US" dirty="0" smtClean="0"/>
+              <a:t>Ben crashing his car and nearly dying</a:t>
+            </a:r>
+          </a:p>
+          <a:p>
+            <a:pPr marL="457200" indent="-457200">
               <a:buFont typeface="Arial"/>
-              <a:buChar char="●"/>
-            </a:pPr>
-            <a:r>
-              <a:rPr lang="en" dirty="0"/>
-              <a:t>Ruby on Rails</a:t>
-            </a:r>
-          </a:p>
-          <a:p>
-            <a:pPr lvl="0" rtl="0">
-              <a:spcBef>
-                <a:spcPts val="0"/>
-              </a:spcBef>
-              <a:buNone/>
-            </a:pPr>
-            <a:endParaRPr sz="2400" dirty="0"/>
-          </a:p>
-          <a:p>
-            <a:pPr marL="457200" lvl="0" indent="-419100" rtl="0">
-              <a:spcBef>
-                <a:spcPts val="0"/>
-              </a:spcBef>
-              <a:buClr>
-                <a:schemeClr val="dk1"/>
-              </a:buClr>
-              <a:buSzPct val="100000"/>
+              <a:buChar char="•"/>
+            </a:pPr>
+            <a:r>
+              <a:rPr lang="en-US" dirty="0" smtClean="0"/>
+              <a:t>Setting up rails</a:t>
+            </a:r>
+          </a:p>
+          <a:p>
+            <a:pPr marL="457200" indent="-457200">
               <a:buFont typeface="Arial"/>
-              <a:buChar char="●"/>
-            </a:pPr>
-            <a:r>
-              <a:rPr lang="en" dirty="0"/>
-              <a:t>D3JS?</a:t>
-            </a:r>
+              <a:buChar char="•"/>
+            </a:pPr>
+            <a:r>
+              <a:rPr lang="en-US" dirty="0" smtClean="0"/>
+              <a:t>Settings up </a:t>
+            </a:r>
+            <a:r>
+              <a:rPr lang="en-US" dirty="0" err="1" smtClean="0"/>
+              <a:t>postgres</a:t>
+            </a:r>
+            <a:r>
+              <a:rPr lang="en-US" dirty="0" smtClean="0"/>
+              <a:t> with rails</a:t>
+            </a:r>
+          </a:p>
+          <a:p>
+            <a:pPr marL="457200" indent="-457200">
+              <a:buFont typeface="Arial"/>
+              <a:buChar char="•"/>
+            </a:pPr>
+            <a:r>
+              <a:rPr lang="en-US" dirty="0" smtClean="0"/>
+              <a:t>Started out working in an online environment and it caused issues</a:t>
+            </a:r>
+          </a:p>
+          <a:p>
+            <a:pPr marL="457200" indent="-457200">
+              <a:buFont typeface="Arial"/>
+              <a:buChar char="•"/>
+            </a:pPr>
+            <a:r>
+              <a:rPr lang="en-US" dirty="0" smtClean="0"/>
+              <a:t>We’re a small enough team to where the amount of scrumming we did felt unnecessary</a:t>
+            </a:r>
+            <a:endParaRPr lang="en-US" dirty="0"/>
           </a:p>
         </p:txBody>
       </p:sp>
     </p:spTree>
+    <p:extLst>
+      <p:ext uri="{BB962C8B-B14F-4D97-AF65-F5344CB8AC3E}">
+        <p14:creationId xmlns:p14="http://schemas.microsoft.com/office/powerpoint/2010/main" val="248140466"/>
+      </p:ext>
+    </p:extLst>
   </p:cSld>
   <p:clrMapOvr>
     <a:masterClrMapping/>
   </p:clrMapOvr>
-  <p:transition xmlns:p14="http://schemas.microsoft.com/office/powerpoint/2010/main" spd="slow">
-    <p:cut/>
-  </p:transition>
-  <p:timing>
-    <p:tnLst>
-      <p:par>
-        <p:cTn xmlns:p14="http://schemas.microsoft.com/office/powerpoint/2010/main" id="1" dur="indefinite" restart="never" nodeType="tmRoot"/>
-      </p:par>
-    </p:tnLst>
-  </p:timing>
 </p:sld>
 </file>
 
-<file path=ppt/slides/slide5.xml><?xml version="1.0" encoding="utf-8"?>
+<file path=ppt/slides/slide12.xml><?xml version="1.0" encoding="utf-8"?>
+<p:sld xmlns:a="http://schemas.openxmlformats.org/drawingml/2006/main" xmlns:r="http://schemas.openxmlformats.org/officeDocument/2006/relationships" xmlns:p="http://schemas.openxmlformats.org/presentationml/2006/main">
+  <p:cSld>
+    <p:spTree>
+      <p:nvGrpSpPr>
+        <p:cNvPr id="1" name=""/>
+        <p:cNvGrpSpPr/>
+        <p:nvPr/>
+      </p:nvGrpSpPr>
+      <p:grpSpPr>
+        <a:xfrm>
+          <a:off x="0" y="0"/>
+          <a:ext cx="0" cy="0"/>
+          <a:chOff x="0" y="0"/>
+          <a:chExt cx="0" cy="0"/>
+        </a:xfrm>
+      </p:grpSpPr>
+      <p:sp>
+        <p:nvSpPr>
+          <p:cNvPr id="2" name="Title 1"/>
+          <p:cNvSpPr>
+            <a:spLocks noGrp="1"/>
+          </p:cNvSpPr>
+          <p:nvPr>
+            <p:ph type="title"/>
+          </p:nvPr>
+        </p:nvSpPr>
+        <p:spPr/>
+        <p:txBody>
+          <a:bodyPr/>
+          <a:lstStyle/>
+          <a:p>
+            <a:r>
+              <a:rPr lang="en-US" dirty="0" smtClean="0"/>
+              <a:t>Lessons learned</a:t>
+            </a:r>
+            <a:endParaRPr lang="en-US" dirty="0"/>
+          </a:p>
+        </p:txBody>
+      </p:sp>
+      <p:sp>
+        <p:nvSpPr>
+          <p:cNvPr id="3" name="Text Placeholder 2"/>
+          <p:cNvSpPr>
+            <a:spLocks noGrp="1"/>
+          </p:cNvSpPr>
+          <p:nvPr>
+            <p:ph type="body" idx="1"/>
+          </p:nvPr>
+        </p:nvSpPr>
+        <p:spPr/>
+        <p:txBody>
+          <a:bodyPr/>
+          <a:lstStyle/>
+          <a:p>
+            <a:pPr marL="457200" indent="-457200">
+              <a:buFont typeface="Arial"/>
+              <a:buChar char="•"/>
+            </a:pPr>
+            <a:r>
+              <a:rPr lang="en-US" dirty="0" smtClean="0"/>
+              <a:t>When working from the same code base use branches</a:t>
+            </a:r>
+          </a:p>
+          <a:p>
+            <a:pPr marL="457200" indent="-457200">
+              <a:buFont typeface="Arial"/>
+              <a:buChar char="•"/>
+            </a:pPr>
+            <a:r>
+              <a:rPr lang="en-US" dirty="0" smtClean="0"/>
+              <a:t>Work locally and commit often</a:t>
+            </a:r>
+          </a:p>
+          <a:p>
+            <a:pPr marL="457200" indent="-457200">
+              <a:buFont typeface="Arial"/>
+              <a:buChar char="•"/>
+            </a:pPr>
+            <a:r>
+              <a:rPr lang="en-US" dirty="0" smtClean="0"/>
+              <a:t>The value of explicitly defining tasks for the individual members of the team to work on</a:t>
+            </a:r>
+          </a:p>
+          <a:p>
+            <a:pPr marL="457200" indent="-457200">
+              <a:buFont typeface="Arial"/>
+              <a:buChar char="•"/>
+            </a:pPr>
+            <a:r>
+              <a:rPr lang="en-US" dirty="0" smtClean="0"/>
+              <a:t>Change your </a:t>
+            </a:r>
+            <a:r>
+              <a:rPr lang="en-US" smtClean="0"/>
+              <a:t>tires frequently</a:t>
+            </a:r>
+            <a:endParaRPr lang="en-US" dirty="0" smtClean="0"/>
+          </a:p>
+          <a:p>
+            <a:endParaRPr lang="en-US" dirty="0"/>
+          </a:p>
+        </p:txBody>
+      </p:sp>
+    </p:spTree>
+    <p:extLst>
+      <p:ext uri="{BB962C8B-B14F-4D97-AF65-F5344CB8AC3E}">
+        <p14:creationId xmlns:p14="http://schemas.microsoft.com/office/powerpoint/2010/main" val="3356208315"/>
+      </p:ext>
+    </p:extLst>
+  </p:cSld>
+  <p:clrMapOvr>
+    <a:masterClrMapping/>
+  </p:clrMapOvr>
+</p:sld>
+</file>
+
+<file path=ppt/slides/slide13.xml><?xml version="1.0" encoding="utf-8"?>
 <p:sld xmlns:a="http://schemas.openxmlformats.org/drawingml/2006/main" xmlns:r="http://schemas.openxmlformats.org/officeDocument/2006/relationships" xmlns:p="http://schemas.openxmlformats.org/presentationml/2006/main">
   <p:cSld>
     <p:spTree>
@@ -4092,6 +4029,1150 @@
       </p:par>
     </p:tnLst>
   </p:timing>
+</p:sld>
+</file>
+
+<file path=ppt/slides/slide2.xml><?xml version="1.0" encoding="utf-8"?>
+<p:sld xmlns:a="http://schemas.openxmlformats.org/drawingml/2006/main" xmlns:r="http://schemas.openxmlformats.org/officeDocument/2006/relationships" xmlns:p="http://schemas.openxmlformats.org/presentationml/2006/main">
+  <p:cSld>
+    <p:spTree>
+      <p:nvGrpSpPr>
+        <p:cNvPr id="1" name="Shape 38"/>
+        <p:cNvGrpSpPr/>
+        <p:nvPr/>
+      </p:nvGrpSpPr>
+      <p:grpSpPr>
+        <a:xfrm>
+          <a:off x="0" y="0"/>
+          <a:ext cx="0" cy="0"/>
+          <a:chOff x="0" y="0"/>
+          <a:chExt cx="0" cy="0"/>
+        </a:xfrm>
+      </p:grpSpPr>
+      <p:sp>
+        <p:nvSpPr>
+          <p:cNvPr id="39" name="Shape 39"/>
+          <p:cNvSpPr txBox="1">
+            <a:spLocks noGrp="1"/>
+          </p:cNvSpPr>
+          <p:nvPr>
+            <p:ph type="title"/>
+          </p:nvPr>
+        </p:nvSpPr>
+        <p:spPr>
+          <a:xfrm>
+            <a:off x="457200" y="205978"/>
+            <a:ext cx="8229600" cy="857400"/>
+          </a:xfrm>
+          <a:prstGeom prst="rect">
+            <a:avLst/>
+          </a:prstGeom>
+        </p:spPr>
+        <p:txBody>
+          <a:bodyPr lIns="91425" tIns="91425" rIns="91425" bIns="91425" anchor="b" anchorCtr="0">
+            <a:noAutofit/>
+          </a:bodyPr>
+          <a:lstStyle/>
+          <a:p>
+            <a:pPr>
+              <a:spcBef>
+                <a:spcPts val="0"/>
+              </a:spcBef>
+              <a:buNone/>
+            </a:pPr>
+            <a:r>
+              <a:rPr lang="en"/>
+              <a:t>What is Classroom Hero?</a:t>
+            </a:r>
+          </a:p>
+        </p:txBody>
+      </p:sp>
+      <p:sp>
+        <p:nvSpPr>
+          <p:cNvPr id="40" name="Shape 40"/>
+          <p:cNvSpPr txBox="1">
+            <a:spLocks noGrp="1"/>
+          </p:cNvSpPr>
+          <p:nvPr>
+            <p:ph type="body" idx="1"/>
+          </p:nvPr>
+        </p:nvSpPr>
+        <p:spPr>
+          <a:xfrm>
+            <a:off x="457200" y="928950"/>
+            <a:ext cx="8229600" cy="3725699"/>
+          </a:xfrm>
+          <a:prstGeom prst="rect">
+            <a:avLst/>
+          </a:prstGeom>
+        </p:spPr>
+        <p:txBody>
+          <a:bodyPr lIns="91425" tIns="91425" rIns="91425" bIns="91425" anchor="t" anchorCtr="0">
+            <a:noAutofit/>
+          </a:bodyPr>
+          <a:lstStyle/>
+          <a:p>
+            <a:pPr lvl="0" rtl="0">
+              <a:spcBef>
+                <a:spcPts val="0"/>
+              </a:spcBef>
+              <a:buNone/>
+            </a:pPr>
+            <a:endParaRPr dirty="0"/>
+          </a:p>
+          <a:p>
+            <a:pPr marL="457200" lvl="0" indent="-419100" rtl="0">
+              <a:spcBef>
+                <a:spcPts val="0"/>
+              </a:spcBef>
+              <a:buClr>
+                <a:schemeClr val="dk1"/>
+              </a:buClr>
+              <a:buSzPct val="100000"/>
+              <a:buFont typeface="Arial"/>
+              <a:buChar char="●"/>
+            </a:pPr>
+            <a:r>
+              <a:rPr lang="en-US" dirty="0" smtClean="0"/>
+              <a:t>Mobile tablet application used by teachers to motivate students with an engaging token economy</a:t>
+            </a:r>
+            <a:endParaRPr lang="en" dirty="0"/>
+          </a:p>
+          <a:p>
+            <a:pPr lvl="0" rtl="0">
+              <a:spcBef>
+                <a:spcPts val="0"/>
+              </a:spcBef>
+              <a:buNone/>
+            </a:pPr>
+            <a:endParaRPr dirty="0"/>
+          </a:p>
+          <a:p>
+            <a:pPr marL="457200" indent="-419100">
+              <a:buFont typeface="Arial"/>
+              <a:buChar char="●"/>
+            </a:pPr>
+            <a:r>
+              <a:rPr lang="en-US" dirty="0" smtClean="0"/>
+              <a:t>Small startup in 27 classrooms across 5 schools </a:t>
+            </a:r>
+            <a:endParaRPr lang="en" dirty="0"/>
+          </a:p>
+        </p:txBody>
+      </p:sp>
+    </p:spTree>
+  </p:cSld>
+  <p:clrMapOvr>
+    <a:masterClrMapping/>
+  </p:clrMapOvr>
+  <p:transition xmlns:p14="http://schemas.microsoft.com/office/powerpoint/2010/main" spd="slow">
+    <p:cut/>
+  </p:transition>
+  <p:timing>
+    <p:tnLst>
+      <p:par>
+        <p:cTn xmlns:p14="http://schemas.microsoft.com/office/powerpoint/2010/main" id="1" dur="indefinite" restart="never" nodeType="tmRoot"/>
+      </p:par>
+    </p:tnLst>
+  </p:timing>
+</p:sld>
+</file>
+
+<file path=ppt/slides/slide3.xml><?xml version="1.0" encoding="utf-8"?>
+<p:sld xmlns:a="http://schemas.openxmlformats.org/drawingml/2006/main" xmlns:r="http://schemas.openxmlformats.org/officeDocument/2006/relationships" xmlns:p="http://schemas.openxmlformats.org/presentationml/2006/main">
+  <p:cSld>
+    <p:spTree>
+      <p:nvGrpSpPr>
+        <p:cNvPr id="1" name="Shape 44"/>
+        <p:cNvGrpSpPr/>
+        <p:nvPr/>
+      </p:nvGrpSpPr>
+      <p:grpSpPr>
+        <a:xfrm>
+          <a:off x="0" y="0"/>
+          <a:ext cx="0" cy="0"/>
+          <a:chOff x="0" y="0"/>
+          <a:chExt cx="0" cy="0"/>
+        </a:xfrm>
+      </p:grpSpPr>
+      <p:sp>
+        <p:nvSpPr>
+          <p:cNvPr id="45" name="Shape 45"/>
+          <p:cNvSpPr txBox="1">
+            <a:spLocks noGrp="1"/>
+          </p:cNvSpPr>
+          <p:nvPr>
+            <p:ph type="title"/>
+          </p:nvPr>
+        </p:nvSpPr>
+        <p:spPr>
+          <a:xfrm>
+            <a:off x="457200" y="205978"/>
+            <a:ext cx="8229600" cy="857400"/>
+          </a:xfrm>
+          <a:prstGeom prst="rect">
+            <a:avLst/>
+          </a:prstGeom>
+        </p:spPr>
+        <p:txBody>
+          <a:bodyPr lIns="91425" tIns="91425" rIns="91425" bIns="91425" anchor="b" anchorCtr="0">
+            <a:noAutofit/>
+          </a:bodyPr>
+          <a:lstStyle/>
+          <a:p>
+            <a:pPr>
+              <a:spcBef>
+                <a:spcPts val="0"/>
+              </a:spcBef>
+              <a:buNone/>
+            </a:pPr>
+            <a:r>
+              <a:rPr lang="en-US" dirty="0" smtClean="0"/>
+              <a:t>The problems with expanding</a:t>
+            </a:r>
+            <a:endParaRPr lang="en" dirty="0"/>
+          </a:p>
+        </p:txBody>
+      </p:sp>
+      <p:sp>
+        <p:nvSpPr>
+          <p:cNvPr id="46" name="Shape 46"/>
+          <p:cNvSpPr txBox="1">
+            <a:spLocks noGrp="1"/>
+          </p:cNvSpPr>
+          <p:nvPr>
+            <p:ph type="body" idx="1"/>
+          </p:nvPr>
+        </p:nvSpPr>
+        <p:spPr>
+          <a:xfrm>
+            <a:off x="457200" y="1200150"/>
+            <a:ext cx="8229600" cy="3725699"/>
+          </a:xfrm>
+          <a:prstGeom prst="rect">
+            <a:avLst/>
+          </a:prstGeom>
+        </p:spPr>
+        <p:txBody>
+          <a:bodyPr lIns="91425" tIns="91425" rIns="91425" bIns="91425" anchor="t" anchorCtr="0">
+            <a:noAutofit/>
+          </a:bodyPr>
+          <a:lstStyle/>
+          <a:p>
+            <a:pPr marL="457200" lvl="0" indent="-419100" rtl="0">
+              <a:spcBef>
+                <a:spcPts val="0"/>
+              </a:spcBef>
+              <a:buClr>
+                <a:schemeClr val="dk1"/>
+              </a:buClr>
+              <a:buSzPct val="100000"/>
+              <a:buFont typeface="Arial"/>
+              <a:buChar char="●"/>
+            </a:pPr>
+            <a:r>
+              <a:rPr lang="en" dirty="0"/>
+              <a:t>Classroom Hero </a:t>
+            </a:r>
+            <a:r>
+              <a:rPr lang="en-US" dirty="0" smtClean="0"/>
+              <a:t>uses new technology that is difficult to explain without a demonstration</a:t>
+            </a:r>
+            <a:endParaRPr lang="en" dirty="0"/>
+          </a:p>
+          <a:p>
+            <a:pPr lvl="0" rtl="0">
+              <a:spcBef>
+                <a:spcPts val="0"/>
+              </a:spcBef>
+              <a:buNone/>
+            </a:pPr>
+            <a:endParaRPr sz="1400" dirty="0"/>
+          </a:p>
+          <a:p>
+            <a:pPr marL="457200" lvl="0" indent="-419100" rtl="0">
+              <a:spcBef>
+                <a:spcPts val="0"/>
+              </a:spcBef>
+              <a:buClr>
+                <a:schemeClr val="dk1"/>
+              </a:buClr>
+              <a:buSzPct val="100000"/>
+              <a:buFont typeface="Arial"/>
+              <a:buChar char="●"/>
+            </a:pPr>
+            <a:r>
+              <a:rPr lang="en-US" dirty="0" err="1" smtClean="0"/>
+              <a:t>SnowShoe</a:t>
+            </a:r>
+            <a:r>
+              <a:rPr lang="en-US" dirty="0" smtClean="0"/>
+              <a:t> stamps are small pieces of plastic that serve as digital identities for students within the application </a:t>
+            </a:r>
+            <a:endParaRPr lang="en" dirty="0"/>
+          </a:p>
+        </p:txBody>
+      </p:sp>
+      <p:pic>
+        <p:nvPicPr>
+          <p:cNvPr id="3" name="Picture 2" descr="snowshoe.jpg"/>
+          <p:cNvPicPr>
+            <a:picLocks noChangeAspect="1"/>
+          </p:cNvPicPr>
+          <p:nvPr/>
+        </p:nvPicPr>
+        <p:blipFill>
+          <a:blip r:embed="rId3">
+            <a:extLst>
+              <a:ext uri="{28A0092B-C50C-407E-A947-70E740481C1C}">
+                <a14:useLocalDpi xmlns:a14="http://schemas.microsoft.com/office/drawing/2010/main" val="0"/>
+              </a:ext>
+            </a:extLst>
+          </a:blip>
+          <a:stretch>
+            <a:fillRect/>
+          </a:stretch>
+        </p:blipFill>
+        <p:spPr>
+          <a:xfrm>
+            <a:off x="6294691" y="3468129"/>
+            <a:ext cx="2539978" cy="1335929"/>
+          </a:xfrm>
+          <a:prstGeom prst="rect">
+            <a:avLst/>
+          </a:prstGeom>
+        </p:spPr>
+      </p:pic>
+    </p:spTree>
+  </p:cSld>
+  <p:clrMapOvr>
+    <a:masterClrMapping/>
+  </p:clrMapOvr>
+  <p:transition xmlns:p14="http://schemas.microsoft.com/office/powerpoint/2010/main" spd="slow">
+    <p:cut/>
+  </p:transition>
+  <p:timing>
+    <p:tnLst>
+      <p:par>
+        <p:cTn xmlns:p14="http://schemas.microsoft.com/office/powerpoint/2010/main" id="1" dur="indefinite" restart="never" nodeType="tmRoot"/>
+      </p:par>
+    </p:tnLst>
+  </p:timing>
+</p:sld>
+</file>
+
+<file path=ppt/slides/slide4.xml><?xml version="1.0" encoding="utf-8"?>
+<p:sld xmlns:a="http://schemas.openxmlformats.org/drawingml/2006/main" xmlns:r="http://schemas.openxmlformats.org/officeDocument/2006/relationships" xmlns:p="http://schemas.openxmlformats.org/presentationml/2006/main">
+  <p:cSld>
+    <p:spTree>
+      <p:nvGrpSpPr>
+        <p:cNvPr id="1" name="Shape 50"/>
+        <p:cNvGrpSpPr/>
+        <p:nvPr/>
+      </p:nvGrpSpPr>
+      <p:grpSpPr>
+        <a:xfrm>
+          <a:off x="0" y="0"/>
+          <a:ext cx="0" cy="0"/>
+          <a:chOff x="0" y="0"/>
+          <a:chExt cx="0" cy="0"/>
+        </a:xfrm>
+      </p:grpSpPr>
+      <p:sp>
+        <p:nvSpPr>
+          <p:cNvPr id="51" name="Shape 51"/>
+          <p:cNvSpPr txBox="1">
+            <a:spLocks noGrp="1"/>
+          </p:cNvSpPr>
+          <p:nvPr>
+            <p:ph type="title"/>
+          </p:nvPr>
+        </p:nvSpPr>
+        <p:spPr>
+          <a:xfrm>
+            <a:off x="457200" y="205978"/>
+            <a:ext cx="8229600" cy="857400"/>
+          </a:xfrm>
+          <a:prstGeom prst="rect">
+            <a:avLst/>
+          </a:prstGeom>
+        </p:spPr>
+        <p:txBody>
+          <a:bodyPr lIns="91425" tIns="91425" rIns="91425" bIns="91425" anchor="b" anchorCtr="0">
+            <a:noAutofit/>
+          </a:bodyPr>
+          <a:lstStyle/>
+          <a:p>
+            <a:pPr>
+              <a:spcBef>
+                <a:spcPts val="0"/>
+              </a:spcBef>
+              <a:buNone/>
+            </a:pPr>
+            <a:r>
+              <a:rPr lang="en-US" dirty="0" smtClean="0"/>
+              <a:t>Our task</a:t>
+            </a:r>
+            <a:endParaRPr lang="en" dirty="0"/>
+          </a:p>
+        </p:txBody>
+      </p:sp>
+      <p:sp>
+        <p:nvSpPr>
+          <p:cNvPr id="52" name="Shape 52"/>
+          <p:cNvSpPr txBox="1">
+            <a:spLocks noGrp="1"/>
+          </p:cNvSpPr>
+          <p:nvPr>
+            <p:ph type="body" idx="1"/>
+          </p:nvPr>
+        </p:nvSpPr>
+        <p:spPr>
+          <a:xfrm>
+            <a:off x="457200" y="1483250"/>
+            <a:ext cx="8229600" cy="3725699"/>
+          </a:xfrm>
+          <a:prstGeom prst="rect">
+            <a:avLst/>
+          </a:prstGeom>
+        </p:spPr>
+        <p:txBody>
+          <a:bodyPr lIns="91425" tIns="91425" rIns="91425" bIns="91425" anchor="t" anchorCtr="0">
+            <a:noAutofit/>
+          </a:bodyPr>
+          <a:lstStyle/>
+          <a:p>
+            <a:pPr marL="457200" lvl="0" indent="-419100">
+              <a:buFont typeface="Arial"/>
+              <a:buChar char="●"/>
+            </a:pPr>
+            <a:r>
+              <a:rPr lang="en-US" dirty="0"/>
+              <a:t>R</a:t>
+            </a:r>
+            <a:r>
+              <a:rPr lang="en-US" dirty="0" smtClean="0"/>
+              <a:t>e </a:t>
+            </a:r>
+            <a:r>
+              <a:rPr lang="en-US" dirty="0"/>
+              <a:t>design the front end for the Classroom Hero website with rails and bootstrap. </a:t>
+            </a:r>
+            <a:endParaRPr lang="en" dirty="0"/>
+          </a:p>
+          <a:p>
+            <a:pPr lvl="0" rtl="0">
+              <a:spcBef>
+                <a:spcPts val="0"/>
+              </a:spcBef>
+              <a:buNone/>
+            </a:pPr>
+            <a:endParaRPr sz="1800" dirty="0"/>
+          </a:p>
+          <a:p>
+            <a:pPr marL="457200" lvl="0" indent="-419100" rtl="0">
+              <a:spcBef>
+                <a:spcPts val="0"/>
+              </a:spcBef>
+              <a:buClr>
+                <a:schemeClr val="dk1"/>
+              </a:buClr>
+              <a:buSzPct val="100000"/>
+              <a:buFont typeface="Arial"/>
+              <a:buChar char="●"/>
+            </a:pPr>
+            <a:r>
+              <a:rPr lang="en-US" dirty="0" smtClean="0"/>
+              <a:t>Add informational sections/videos, and animated demonstrations of the application</a:t>
+            </a:r>
+            <a:endParaRPr lang="en" dirty="0"/>
+          </a:p>
+          <a:p>
+            <a:pPr lvl="0" rtl="0">
+              <a:spcBef>
+                <a:spcPts val="0"/>
+              </a:spcBef>
+              <a:buNone/>
+            </a:pPr>
+            <a:endParaRPr sz="2400" dirty="0"/>
+          </a:p>
+          <a:p>
+            <a:pPr marL="457200" lvl="0" indent="-419100" rtl="0">
+              <a:spcBef>
+                <a:spcPts val="0"/>
+              </a:spcBef>
+              <a:buClr>
+                <a:schemeClr val="dk1"/>
+              </a:buClr>
+              <a:buSzPct val="100000"/>
+              <a:buFont typeface="Arial"/>
+              <a:buChar char="●"/>
+            </a:pPr>
+            <a:r>
+              <a:rPr lang="en-US" dirty="0" smtClean="0"/>
+              <a:t>Clean up the website, make it look professional</a:t>
+            </a:r>
+            <a:endParaRPr lang="en" dirty="0"/>
+          </a:p>
+        </p:txBody>
+      </p:sp>
+    </p:spTree>
+  </p:cSld>
+  <p:clrMapOvr>
+    <a:masterClrMapping/>
+  </p:clrMapOvr>
+  <p:transition xmlns:p14="http://schemas.microsoft.com/office/powerpoint/2010/main" spd="slow">
+    <p:cut/>
+  </p:transition>
+  <p:timing>
+    <p:tnLst>
+      <p:par>
+        <p:cTn xmlns:p14="http://schemas.microsoft.com/office/powerpoint/2010/main" id="1" dur="indefinite" restart="never" nodeType="tmRoot"/>
+      </p:par>
+    </p:tnLst>
+  </p:timing>
+</p:sld>
+</file>
+
+<file path=ppt/slides/slide5.xml><?xml version="1.0" encoding="utf-8"?>
+<p:sld xmlns:a="http://schemas.openxmlformats.org/drawingml/2006/main" xmlns:r="http://schemas.openxmlformats.org/officeDocument/2006/relationships" xmlns:p="http://schemas.openxmlformats.org/presentationml/2006/main">
+  <p:cSld>
+    <p:spTree>
+      <p:nvGrpSpPr>
+        <p:cNvPr id="1" name=""/>
+        <p:cNvGrpSpPr/>
+        <p:nvPr/>
+      </p:nvGrpSpPr>
+      <p:grpSpPr>
+        <a:xfrm>
+          <a:off x="0" y="0"/>
+          <a:ext cx="0" cy="0"/>
+          <a:chOff x="0" y="0"/>
+          <a:chExt cx="0" cy="0"/>
+        </a:xfrm>
+      </p:grpSpPr>
+      <p:sp>
+        <p:nvSpPr>
+          <p:cNvPr id="2" name="Title 1"/>
+          <p:cNvSpPr>
+            <a:spLocks noGrp="1"/>
+          </p:cNvSpPr>
+          <p:nvPr>
+            <p:ph type="title"/>
+          </p:nvPr>
+        </p:nvSpPr>
+        <p:spPr/>
+        <p:txBody>
+          <a:bodyPr/>
+          <a:lstStyle/>
+          <a:p>
+            <a:r>
+              <a:rPr lang="en-US" dirty="0" smtClean="0"/>
+              <a:t>Technology used</a:t>
+            </a:r>
+            <a:endParaRPr lang="en-US" dirty="0"/>
+          </a:p>
+        </p:txBody>
+      </p:sp>
+      <p:sp>
+        <p:nvSpPr>
+          <p:cNvPr id="3" name="Text Placeholder 2"/>
+          <p:cNvSpPr>
+            <a:spLocks noGrp="1"/>
+          </p:cNvSpPr>
+          <p:nvPr>
+            <p:ph type="body" idx="1"/>
+          </p:nvPr>
+        </p:nvSpPr>
+        <p:spPr/>
+        <p:txBody>
+          <a:bodyPr/>
+          <a:lstStyle/>
+          <a:p>
+            <a:pPr marL="457200" indent="-457200">
+              <a:buFont typeface="Arial"/>
+              <a:buChar char="•"/>
+            </a:pPr>
+            <a:r>
+              <a:rPr lang="en-US" dirty="0" smtClean="0"/>
+              <a:t>Ruby on rails</a:t>
+            </a:r>
+          </a:p>
+          <a:p>
+            <a:pPr marL="457200" indent="-457200">
+              <a:buFont typeface="Arial"/>
+              <a:buChar char="•"/>
+            </a:pPr>
+            <a:endParaRPr lang="en-US" dirty="0"/>
+          </a:p>
+          <a:p>
+            <a:pPr marL="457200" indent="-457200">
+              <a:buFont typeface="Arial"/>
+              <a:buChar char="•"/>
+            </a:pPr>
+            <a:r>
+              <a:rPr lang="en-US" dirty="0" smtClean="0"/>
+              <a:t>Bootstrap</a:t>
+            </a:r>
+          </a:p>
+          <a:p>
+            <a:pPr marL="457200" indent="-457200">
+              <a:buFont typeface="Arial"/>
+              <a:buChar char="•"/>
+            </a:pPr>
+            <a:endParaRPr lang="en-US" dirty="0"/>
+          </a:p>
+          <a:p>
+            <a:pPr marL="457200" indent="-457200">
+              <a:buFont typeface="Arial"/>
+              <a:buChar char="•"/>
+            </a:pPr>
+            <a:r>
+              <a:rPr lang="en-US" dirty="0" err="1" smtClean="0"/>
+              <a:t>Postgres</a:t>
+            </a:r>
+            <a:endParaRPr lang="en-US" dirty="0" smtClean="0"/>
+          </a:p>
+          <a:p>
+            <a:pPr marL="457200" indent="-457200">
+              <a:buFont typeface="Arial"/>
+              <a:buChar char="•"/>
+            </a:pPr>
+            <a:endParaRPr lang="en-US" dirty="0"/>
+          </a:p>
+          <a:p>
+            <a:pPr marL="457200" indent="-457200">
+              <a:buFont typeface="Arial"/>
+              <a:buChar char="•"/>
+            </a:pPr>
+            <a:r>
+              <a:rPr lang="en-US" dirty="0" smtClean="0"/>
+              <a:t>Scroll deck</a:t>
+            </a:r>
+            <a:endParaRPr lang="en-US" dirty="0"/>
+          </a:p>
+        </p:txBody>
+      </p:sp>
+    </p:spTree>
+    <p:extLst>
+      <p:ext uri="{BB962C8B-B14F-4D97-AF65-F5344CB8AC3E}">
+        <p14:creationId xmlns:p14="http://schemas.microsoft.com/office/powerpoint/2010/main" val="2114990051"/>
+      </p:ext>
+    </p:extLst>
+  </p:cSld>
+  <p:clrMapOvr>
+    <a:masterClrMapping/>
+  </p:clrMapOvr>
+</p:sld>
+</file>
+
+<file path=ppt/slides/slide6.xml><?xml version="1.0" encoding="utf-8"?>
+<p:sld xmlns:a="http://schemas.openxmlformats.org/drawingml/2006/main" xmlns:r="http://schemas.openxmlformats.org/officeDocument/2006/relationships" xmlns:p="http://schemas.openxmlformats.org/presentationml/2006/main">
+  <p:cSld>
+    <p:spTree>
+      <p:nvGrpSpPr>
+        <p:cNvPr id="1" name=""/>
+        <p:cNvGrpSpPr/>
+        <p:nvPr/>
+      </p:nvGrpSpPr>
+      <p:grpSpPr>
+        <a:xfrm>
+          <a:off x="0" y="0"/>
+          <a:ext cx="0" cy="0"/>
+          <a:chOff x="0" y="0"/>
+          <a:chExt cx="0" cy="0"/>
+        </a:xfrm>
+      </p:grpSpPr>
+      <p:sp>
+        <p:nvSpPr>
+          <p:cNvPr id="2" name="Title 1"/>
+          <p:cNvSpPr>
+            <a:spLocks noGrp="1"/>
+          </p:cNvSpPr>
+          <p:nvPr>
+            <p:ph type="title"/>
+          </p:nvPr>
+        </p:nvSpPr>
+        <p:spPr/>
+        <p:txBody>
+          <a:bodyPr/>
+          <a:lstStyle/>
+          <a:p>
+            <a:r>
+              <a:rPr lang="en-US" dirty="0" smtClean="0"/>
+              <a:t>Features we added</a:t>
+            </a:r>
+            <a:endParaRPr lang="en-US" dirty="0"/>
+          </a:p>
+        </p:txBody>
+      </p:sp>
+      <p:sp>
+        <p:nvSpPr>
+          <p:cNvPr id="3" name="Text Placeholder 2"/>
+          <p:cNvSpPr>
+            <a:spLocks noGrp="1"/>
+          </p:cNvSpPr>
+          <p:nvPr>
+            <p:ph type="body" idx="1"/>
+          </p:nvPr>
+        </p:nvSpPr>
+        <p:spPr/>
+        <p:txBody>
+          <a:bodyPr/>
+          <a:lstStyle/>
+          <a:p>
+            <a:pPr marL="457200" indent="-457200">
+              <a:buFont typeface="Arial"/>
+              <a:buChar char="•"/>
+            </a:pPr>
+            <a:r>
+              <a:rPr lang="en-US" dirty="0" smtClean="0"/>
+              <a:t>How it works button / high level overview</a:t>
+            </a:r>
+          </a:p>
+          <a:p>
+            <a:pPr marL="457200" indent="-457200">
+              <a:buFont typeface="Arial"/>
+              <a:buChar char="•"/>
+            </a:pPr>
+            <a:r>
+              <a:rPr lang="en-US" dirty="0" smtClean="0"/>
+              <a:t>Informational / testimonial videos</a:t>
+            </a:r>
+          </a:p>
+          <a:p>
+            <a:pPr marL="457200" indent="-457200">
+              <a:buFont typeface="Arial"/>
+              <a:buChar char="•"/>
+            </a:pPr>
+            <a:r>
+              <a:rPr lang="en-US" dirty="0" smtClean="0"/>
+              <a:t>Information blobs with original artwork</a:t>
+            </a:r>
+          </a:p>
+          <a:p>
+            <a:pPr marL="457200" indent="-457200">
+              <a:buFont typeface="Arial"/>
+              <a:buChar char="•"/>
+            </a:pPr>
+            <a:r>
+              <a:rPr lang="en-US" dirty="0" smtClean="0"/>
+              <a:t>Animated demo of application</a:t>
+            </a:r>
+          </a:p>
+          <a:p>
+            <a:pPr marL="457200" indent="-457200">
+              <a:buFont typeface="Arial"/>
+              <a:buChar char="•"/>
+            </a:pPr>
+            <a:r>
+              <a:rPr lang="en-US" dirty="0" smtClean="0"/>
+              <a:t>Social media buttons</a:t>
+            </a:r>
+          </a:p>
+          <a:p>
+            <a:pPr marL="457200" indent="-457200">
+              <a:buFont typeface="Arial"/>
+              <a:buChar char="•"/>
+            </a:pPr>
+            <a:r>
+              <a:rPr lang="en-US" dirty="0" smtClean="0"/>
+              <a:t>Embedded twitter timeline </a:t>
+            </a:r>
+          </a:p>
+          <a:p>
+            <a:pPr marL="457200" indent="-457200">
+              <a:buFont typeface="Arial"/>
+              <a:buChar char="•"/>
+            </a:pPr>
+            <a:r>
+              <a:rPr lang="en-US" dirty="0" smtClean="0"/>
+              <a:t>Bootstrap for mobile </a:t>
+            </a:r>
+          </a:p>
+          <a:p>
+            <a:pPr marL="457200" indent="-457200">
+              <a:buFont typeface="Arial"/>
+              <a:buChar char="•"/>
+            </a:pPr>
+            <a:endParaRPr lang="en-US" dirty="0"/>
+          </a:p>
+        </p:txBody>
+      </p:sp>
+    </p:spTree>
+    <p:extLst>
+      <p:ext uri="{BB962C8B-B14F-4D97-AF65-F5344CB8AC3E}">
+        <p14:creationId xmlns:p14="http://schemas.microsoft.com/office/powerpoint/2010/main" val="1418514216"/>
+      </p:ext>
+    </p:extLst>
+  </p:cSld>
+  <p:clrMapOvr>
+    <a:masterClrMapping/>
+  </p:clrMapOvr>
+</p:sld>
+</file>
+
+<file path=ppt/slides/slide7.xml><?xml version="1.0" encoding="utf-8"?>
+<p:sld xmlns:a="http://schemas.openxmlformats.org/drawingml/2006/main" xmlns:r="http://schemas.openxmlformats.org/officeDocument/2006/relationships" xmlns:p="http://schemas.openxmlformats.org/presentationml/2006/main">
+  <p:cSld>
+    <p:spTree>
+      <p:nvGrpSpPr>
+        <p:cNvPr id="1" name=""/>
+        <p:cNvGrpSpPr/>
+        <p:nvPr/>
+      </p:nvGrpSpPr>
+      <p:grpSpPr>
+        <a:xfrm>
+          <a:off x="0" y="0"/>
+          <a:ext cx="0" cy="0"/>
+          <a:chOff x="0" y="0"/>
+          <a:chExt cx="0" cy="0"/>
+        </a:xfrm>
+      </p:grpSpPr>
+      <p:sp>
+        <p:nvSpPr>
+          <p:cNvPr id="2" name="Title 1"/>
+          <p:cNvSpPr>
+            <a:spLocks noGrp="1"/>
+          </p:cNvSpPr>
+          <p:nvPr>
+            <p:ph type="title"/>
+          </p:nvPr>
+        </p:nvSpPr>
+        <p:spPr/>
+        <p:txBody>
+          <a:bodyPr/>
+          <a:lstStyle/>
+          <a:p>
+            <a:r>
+              <a:rPr lang="en-US" dirty="0" smtClean="0"/>
+              <a:t>Features we missed</a:t>
+            </a:r>
+            <a:endParaRPr lang="en-US" dirty="0"/>
+          </a:p>
+        </p:txBody>
+      </p:sp>
+      <p:sp>
+        <p:nvSpPr>
+          <p:cNvPr id="3" name="Text Placeholder 2"/>
+          <p:cNvSpPr>
+            <a:spLocks noGrp="1"/>
+          </p:cNvSpPr>
+          <p:nvPr>
+            <p:ph type="body" idx="1"/>
+          </p:nvPr>
+        </p:nvSpPr>
+        <p:spPr/>
+        <p:txBody>
+          <a:bodyPr/>
+          <a:lstStyle/>
+          <a:p>
+            <a:pPr marL="457200" indent="-457200">
+              <a:buFont typeface="Arial"/>
+              <a:buChar char="•"/>
+            </a:pPr>
+            <a:r>
+              <a:rPr lang="en-US" dirty="0" smtClean="0"/>
+              <a:t>Pricing button / page (don’t have this down as a company yet)</a:t>
+            </a:r>
+          </a:p>
+          <a:p>
+            <a:pPr marL="457200" indent="-457200">
+              <a:buFont typeface="Arial"/>
+              <a:buChar char="•"/>
+            </a:pPr>
+            <a:endParaRPr lang="en-US" dirty="0" smtClean="0"/>
+          </a:p>
+          <a:p>
+            <a:pPr marL="457200" indent="-457200">
+              <a:buFont typeface="Arial"/>
+              <a:buChar char="•"/>
+            </a:pPr>
+            <a:r>
+              <a:rPr lang="en-US" dirty="0" smtClean="0"/>
+              <a:t>Help center with common questions and answers</a:t>
+            </a:r>
+          </a:p>
+          <a:p>
+            <a:pPr marL="457200" indent="-457200">
+              <a:buFont typeface="Arial"/>
+              <a:buChar char="•"/>
+            </a:pPr>
+            <a:endParaRPr lang="en-US" dirty="0"/>
+          </a:p>
+        </p:txBody>
+      </p:sp>
+    </p:spTree>
+    <p:extLst>
+      <p:ext uri="{BB962C8B-B14F-4D97-AF65-F5344CB8AC3E}">
+        <p14:creationId xmlns:p14="http://schemas.microsoft.com/office/powerpoint/2010/main" val="1236540902"/>
+      </p:ext>
+    </p:extLst>
+  </p:cSld>
+  <p:clrMapOvr>
+    <a:masterClrMapping/>
+  </p:clrMapOvr>
+</p:sld>
+</file>
+
+<file path=ppt/slides/slide8.xml><?xml version="1.0" encoding="utf-8"?>
+<p:sld xmlns:a="http://schemas.openxmlformats.org/drawingml/2006/main" xmlns:r="http://schemas.openxmlformats.org/officeDocument/2006/relationships" xmlns:p="http://schemas.openxmlformats.org/presentationml/2006/main">
+  <p:cSld>
+    <p:spTree>
+      <p:nvGrpSpPr>
+        <p:cNvPr id="1" name=""/>
+        <p:cNvGrpSpPr/>
+        <p:nvPr/>
+      </p:nvGrpSpPr>
+      <p:grpSpPr>
+        <a:xfrm>
+          <a:off x="0" y="0"/>
+          <a:ext cx="0" cy="0"/>
+          <a:chOff x="0" y="0"/>
+          <a:chExt cx="0" cy="0"/>
+        </a:xfrm>
+      </p:grpSpPr>
+      <p:sp>
+        <p:nvSpPr>
+          <p:cNvPr id="2" name="Title 1"/>
+          <p:cNvSpPr>
+            <a:spLocks noGrp="1"/>
+          </p:cNvSpPr>
+          <p:nvPr>
+            <p:ph type="title"/>
+          </p:nvPr>
+        </p:nvSpPr>
+        <p:spPr/>
+        <p:txBody>
+          <a:bodyPr/>
+          <a:lstStyle/>
+          <a:p>
+            <a:r>
+              <a:rPr lang="en-US" dirty="0" smtClean="0"/>
+              <a:t>Project management technologies</a:t>
+            </a:r>
+            <a:endParaRPr lang="en-US" dirty="0"/>
+          </a:p>
+        </p:txBody>
+      </p:sp>
+      <p:sp>
+        <p:nvSpPr>
+          <p:cNvPr id="3" name="Text Placeholder 2"/>
+          <p:cNvSpPr>
+            <a:spLocks noGrp="1"/>
+          </p:cNvSpPr>
+          <p:nvPr>
+            <p:ph type="body" idx="1"/>
+          </p:nvPr>
+        </p:nvSpPr>
+        <p:spPr/>
+        <p:txBody>
+          <a:bodyPr/>
+          <a:lstStyle/>
+          <a:p>
+            <a:pPr marL="457200" indent="-457200">
+              <a:buFont typeface="Arial"/>
+              <a:buChar char="•"/>
+            </a:pPr>
+            <a:r>
+              <a:rPr lang="en-US" dirty="0" err="1" smtClean="0"/>
+              <a:t>Scrumblr</a:t>
+            </a:r>
+            <a:r>
+              <a:rPr lang="en-US" dirty="0" smtClean="0"/>
+              <a:t> – SCRUM board. </a:t>
+            </a:r>
+          </a:p>
+          <a:p>
+            <a:pPr marL="457200" indent="-457200">
+              <a:buFont typeface="Arial"/>
+              <a:buChar char="•"/>
+            </a:pPr>
+            <a:r>
+              <a:rPr lang="en-US" dirty="0" err="1" smtClean="0"/>
+              <a:t>Github</a:t>
+            </a:r>
+            <a:r>
+              <a:rPr lang="en-US" dirty="0" smtClean="0"/>
+              <a:t> – Use of README</a:t>
+            </a:r>
+          </a:p>
+          <a:p>
+            <a:pPr marL="457200" indent="-457200">
+              <a:buFont typeface="Arial"/>
+              <a:buChar char="•"/>
+            </a:pPr>
+            <a:r>
+              <a:rPr lang="en-US" dirty="0" smtClean="0"/>
+              <a:t>Slack – Communication with the whole company</a:t>
+            </a:r>
+          </a:p>
+          <a:p>
+            <a:pPr marL="457200" indent="-457200">
+              <a:buFont typeface="Arial"/>
+              <a:buChar char="•"/>
+            </a:pPr>
+            <a:r>
+              <a:rPr lang="en-US" dirty="0" smtClean="0"/>
+              <a:t>Google drive / Facebook – </a:t>
+            </a:r>
+            <a:r>
+              <a:rPr lang="en-US" dirty="0" err="1" smtClean="0"/>
+              <a:t>Filesharing</a:t>
+            </a:r>
+            <a:endParaRPr lang="en-US" dirty="0" smtClean="0"/>
+          </a:p>
+          <a:p>
+            <a:pPr marL="457200" indent="-457200">
+              <a:buFont typeface="Arial"/>
+              <a:buChar char="•"/>
+            </a:pPr>
+            <a:r>
+              <a:rPr lang="en-US" dirty="0" smtClean="0"/>
+              <a:t>Google hangout – Group/Company meetings</a:t>
+            </a:r>
+          </a:p>
+          <a:p>
+            <a:pPr marL="457200" indent="-457200">
+              <a:buFont typeface="Arial"/>
+              <a:buChar char="•"/>
+            </a:pPr>
+            <a:endParaRPr lang="en-US" dirty="0"/>
+          </a:p>
+        </p:txBody>
+      </p:sp>
+    </p:spTree>
+    <p:extLst>
+      <p:ext uri="{BB962C8B-B14F-4D97-AF65-F5344CB8AC3E}">
+        <p14:creationId xmlns:p14="http://schemas.microsoft.com/office/powerpoint/2010/main" val="2951019265"/>
+      </p:ext>
+    </p:extLst>
+  </p:cSld>
+  <p:clrMapOvr>
+    <a:masterClrMapping/>
+  </p:clrMapOvr>
+</p:sld>
+</file>
+
+<file path=ppt/slides/slide9.xml><?xml version="1.0" encoding="utf-8"?>
+<p:sld xmlns:a="http://schemas.openxmlformats.org/drawingml/2006/main" xmlns:r="http://schemas.openxmlformats.org/officeDocument/2006/relationships" xmlns:p="http://schemas.openxmlformats.org/presentationml/2006/main">
+  <p:cSld>
+    <p:spTree>
+      <p:nvGrpSpPr>
+        <p:cNvPr id="1" name=""/>
+        <p:cNvGrpSpPr/>
+        <p:nvPr/>
+      </p:nvGrpSpPr>
+      <p:grpSpPr>
+        <a:xfrm>
+          <a:off x="0" y="0"/>
+          <a:ext cx="0" cy="0"/>
+          <a:chOff x="0" y="0"/>
+          <a:chExt cx="0" cy="0"/>
+        </a:xfrm>
+      </p:grpSpPr>
+      <p:sp>
+        <p:nvSpPr>
+          <p:cNvPr id="2" name="Title 1"/>
+          <p:cNvSpPr>
+            <a:spLocks noGrp="1"/>
+          </p:cNvSpPr>
+          <p:nvPr>
+            <p:ph type="title"/>
+          </p:nvPr>
+        </p:nvSpPr>
+        <p:spPr/>
+        <p:txBody>
+          <a:bodyPr/>
+          <a:lstStyle/>
+          <a:p>
+            <a:r>
+              <a:rPr lang="en-US" dirty="0" smtClean="0"/>
+              <a:t>Project management techniques	</a:t>
+            </a:r>
+            <a:endParaRPr lang="en-US" dirty="0"/>
+          </a:p>
+        </p:txBody>
+      </p:sp>
+      <p:sp>
+        <p:nvSpPr>
+          <p:cNvPr id="3" name="Text Placeholder 2"/>
+          <p:cNvSpPr>
+            <a:spLocks noGrp="1"/>
+          </p:cNvSpPr>
+          <p:nvPr>
+            <p:ph type="body" idx="1"/>
+          </p:nvPr>
+        </p:nvSpPr>
+        <p:spPr/>
+        <p:txBody>
+          <a:bodyPr/>
+          <a:lstStyle/>
+          <a:p>
+            <a:r>
+              <a:rPr lang="en-US" dirty="0" smtClean="0"/>
+              <a:t>Scrum meetings 3 times a week</a:t>
+            </a:r>
+          </a:p>
+          <a:p>
+            <a:endParaRPr lang="en-US" dirty="0"/>
+          </a:p>
+          <a:p>
+            <a:r>
+              <a:rPr lang="en-US" dirty="0" smtClean="0"/>
+              <a:t>Used </a:t>
+            </a:r>
+            <a:r>
+              <a:rPr lang="en-US" dirty="0" err="1" smtClean="0"/>
+              <a:t>facebook</a:t>
+            </a:r>
+            <a:r>
+              <a:rPr lang="en-US" dirty="0" smtClean="0"/>
+              <a:t>/slack to discuss </a:t>
+            </a:r>
+            <a:r>
+              <a:rPr lang="en-US" dirty="0" smtClean="0"/>
+              <a:t>tasks and stay in constant communication</a:t>
+            </a:r>
+          </a:p>
+          <a:p>
+            <a:endParaRPr lang="en-US" dirty="0"/>
+          </a:p>
+          <a:p>
+            <a:r>
+              <a:rPr lang="en-US" dirty="0" err="1" smtClean="0"/>
+              <a:t>Scrumblr</a:t>
+            </a:r>
+            <a:r>
+              <a:rPr lang="en-US" dirty="0" smtClean="0"/>
+              <a:t> </a:t>
+            </a:r>
+            <a:r>
+              <a:rPr lang="en-US" dirty="0" smtClean="0"/>
+              <a:t>to </a:t>
+            </a:r>
+            <a:r>
+              <a:rPr lang="en-US" dirty="0" smtClean="0"/>
+              <a:t>manage and update </a:t>
+            </a:r>
+            <a:r>
+              <a:rPr lang="en-US" dirty="0" smtClean="0"/>
+              <a:t>the SCRUM board. </a:t>
+            </a:r>
+            <a:endParaRPr lang="en-US" dirty="0"/>
+          </a:p>
+        </p:txBody>
+      </p:sp>
+    </p:spTree>
+    <p:extLst>
+      <p:ext uri="{BB962C8B-B14F-4D97-AF65-F5344CB8AC3E}">
+        <p14:creationId xmlns:p14="http://schemas.microsoft.com/office/powerpoint/2010/main" val="4001703245"/>
+      </p:ext>
+    </p:extLst>
+  </p:cSld>
+  <p:clrMapOvr>
+    <a:masterClrMapping/>
+  </p:clrMapOvr>
 </p:sld>
 </file>
 

--- a/CS115_Presentation.pptx
+++ b/CS115_Presentation.pptx
@@ -5,7 +5,7 @@
     <p:sldMasterId id="2147483654" r:id="rId1"/>
   </p:sldMasterIdLst>
   <p:notesMasterIdLst>
-    <p:notesMasterId r:id="rId15"/>
+    <p:notesMasterId r:id="rId14"/>
   </p:notesMasterIdLst>
   <p:sldIdLst>
     <p:sldId id="256" r:id="rId2"/>
@@ -20,7 +20,6 @@
     <p:sldId id="266" r:id="rId11"/>
     <p:sldId id="267" r:id="rId12"/>
     <p:sldId id="268" r:id="rId13"/>
-    <p:sldId id="260" r:id="rId14"/>
   </p:sldIdLst>
   <p:sldSz cx="9144000" cy="5143500" type="screen16x9"/>
   <p:notesSz cx="6858000" cy="9144000"/>
@@ -3439,26 +3438,13 @@
             </a:pPr>
             <a:r>
               <a:rPr lang="en-US" dirty="0" smtClean="0"/>
-              <a:t>Setting up rails</a:t>
-            </a:r>
-          </a:p>
-          <a:p>
-            <a:pPr marL="457200" indent="-457200">
-              <a:buFont typeface="Arial"/>
-              <a:buChar char="•"/>
-            </a:pPr>
-            <a:r>
-              <a:rPr lang="en-US" dirty="0" smtClean="0"/>
-              <a:t>Settings up </a:t>
+              <a:t>Setting up rails/</a:t>
             </a:r>
             <a:r>
               <a:rPr lang="en-US" dirty="0" err="1" smtClean="0"/>
               <a:t>postgres</a:t>
             </a:r>
-            <a:r>
-              <a:rPr lang="en-US" dirty="0" smtClean="0"/>
-              <a:t> with rails</a:t>
-            </a:r>
+            <a:endParaRPr lang="en-US" dirty="0" smtClean="0"/>
           </a:p>
           <a:p>
             <a:pPr marL="457200" indent="-457200">
@@ -3587,13 +3573,8 @@
             </a:pPr>
             <a:r>
               <a:rPr lang="en-US" dirty="0" smtClean="0"/>
-              <a:t>Change your </a:t>
-            </a:r>
-            <a:r>
-              <a:rPr lang="en-US" smtClean="0"/>
-              <a:t>tires frequently</a:t>
-            </a:r>
-            <a:endParaRPr lang="en-US" dirty="0" smtClean="0"/>
+              <a:t>Change your tires frequently</a:t>
+            </a:r>
           </a:p>
           <a:p>
             <a:endParaRPr lang="en-US" dirty="0"/>
@@ -3610,425 +3591,6 @@
   <p:clrMapOvr>
     <a:masterClrMapping/>
   </p:clrMapOvr>
-</p:sld>
-</file>
-
-<file path=ppt/slides/slide13.xml><?xml version="1.0" encoding="utf-8"?>
-<p:sld xmlns:a="http://schemas.openxmlformats.org/drawingml/2006/main" xmlns:r="http://schemas.openxmlformats.org/officeDocument/2006/relationships" xmlns:p="http://schemas.openxmlformats.org/presentationml/2006/main">
-  <p:cSld>
-    <p:spTree>
-      <p:nvGrpSpPr>
-        <p:cNvPr id="1" name=""/>
-        <p:cNvGrpSpPr/>
-        <p:nvPr/>
-      </p:nvGrpSpPr>
-      <p:grpSpPr>
-        <a:xfrm>
-          <a:off x="0" y="0"/>
-          <a:ext cx="0" cy="0"/>
-          <a:chOff x="0" y="0"/>
-          <a:chExt cx="0" cy="0"/>
-        </a:xfrm>
-      </p:grpSpPr>
-      <p:sp>
-        <p:nvSpPr>
-          <p:cNvPr id="2" name="Title 1"/>
-          <p:cNvSpPr>
-            <a:spLocks noGrp="1"/>
-          </p:cNvSpPr>
-          <p:nvPr>
-            <p:ph type="title"/>
-          </p:nvPr>
-        </p:nvSpPr>
-        <p:spPr/>
-        <p:txBody>
-          <a:bodyPr/>
-          <a:lstStyle/>
-          <a:p>
-            <a:r>
-              <a:rPr lang="en-US" dirty="0" smtClean="0"/>
-              <a:t>Release Plan</a:t>
-            </a:r>
-            <a:endParaRPr lang="en-US" dirty="0"/>
-          </a:p>
-        </p:txBody>
-      </p:sp>
-      <p:sp>
-        <p:nvSpPr>
-          <p:cNvPr id="3" name="Text Placeholder 2"/>
-          <p:cNvSpPr>
-            <a:spLocks noGrp="1"/>
-          </p:cNvSpPr>
-          <p:nvPr>
-            <p:ph type="body" idx="1"/>
-          </p:nvPr>
-        </p:nvSpPr>
-        <p:spPr/>
-        <p:txBody>
-          <a:bodyPr numCol="3"/>
-          <a:lstStyle/>
-          <a:p>
-            <a:endParaRPr lang="en-US" dirty="0" smtClean="0"/>
-          </a:p>
-          <a:p>
-            <a:pPr marL="457200" indent="-457200">
-              <a:buFont typeface="Arial"/>
-              <a:buChar char="•"/>
-            </a:pPr>
-            <a:endParaRPr lang="en-US" dirty="0"/>
-          </a:p>
-        </p:txBody>
-      </p:sp>
-      <p:graphicFrame>
-        <p:nvGraphicFramePr>
-          <p:cNvPr id="4" name="Table 3"/>
-          <p:cNvGraphicFramePr>
-            <a:graphicFrameLocks noGrp="1"/>
-          </p:cNvGraphicFramePr>
-          <p:nvPr>
-            <p:extLst>
-              <p:ext uri="{D42A27DB-BD31-4B8C-83A1-F6EECF244321}">
-                <p14:modId xmlns:p14="http://schemas.microsoft.com/office/powerpoint/2010/main" val="1375206044"/>
-              </p:ext>
-            </p:extLst>
-          </p:nvPr>
-        </p:nvGraphicFramePr>
-        <p:xfrm>
-          <a:off x="253999" y="1204797"/>
-          <a:ext cx="8636001" cy="3768676"/>
-        </p:xfrm>
-        <a:graphic>
-          <a:graphicData uri="http://schemas.openxmlformats.org/drawingml/2006/table">
-            <a:tbl>
-              <a:tblPr firstRow="1" bandRow="1"/>
-              <a:tblGrid>
-                <a:gridCol w="873126"/>
-                <a:gridCol w="3309938"/>
-                <a:gridCol w="4452937"/>
-              </a:tblGrid>
-              <a:tr h="507317">
-                <a:tc>
-                  <a:txBody>
-                    <a:bodyPr/>
-                    <a:lstStyle/>
-                    <a:p>
-                      <a:r>
-                        <a:rPr lang="en-US" dirty="0" smtClean="0"/>
-                        <a:t>Sprints</a:t>
-                      </a:r>
-                      <a:endParaRPr lang="en-US" dirty="0"/>
-                    </a:p>
-                  </a:txBody>
-                  <a:tcPr/>
-                </a:tc>
-                <a:tc>
-                  <a:txBody>
-                    <a:bodyPr/>
-                    <a:lstStyle/>
-                    <a:p>
-                      <a:r>
-                        <a:rPr lang="en-US" dirty="0" smtClean="0"/>
-                        <a:t>High Level Goals</a:t>
-                      </a:r>
-                      <a:endParaRPr lang="en-US" dirty="0"/>
-                    </a:p>
-                  </a:txBody>
-                  <a:tcPr/>
-                </a:tc>
-                <a:tc>
-                  <a:txBody>
-                    <a:bodyPr/>
-                    <a:lstStyle/>
-                    <a:p>
-                      <a:r>
-                        <a:rPr lang="en-US" dirty="0" smtClean="0"/>
-                        <a:t>User Stories</a:t>
-                      </a:r>
-                      <a:endParaRPr lang="en-US" dirty="0"/>
-                    </a:p>
-                  </a:txBody>
-                  <a:tcPr/>
-                </a:tc>
-              </a:tr>
-              <a:tr h="1537163">
-                <a:tc>
-                  <a:txBody>
-                    <a:bodyPr/>
-                    <a:lstStyle/>
-                    <a:p>
-                      <a:r>
-                        <a:rPr lang="en-US" dirty="0" smtClean="0"/>
-                        <a:t>Sprint</a:t>
-                      </a:r>
-                      <a:r>
-                        <a:rPr lang="en-US" baseline="0" dirty="0" smtClean="0"/>
-                        <a:t> 1</a:t>
-                      </a:r>
-                      <a:endParaRPr lang="en-US" dirty="0"/>
-                    </a:p>
-                  </a:txBody>
-                  <a:tcPr/>
-                </a:tc>
-                <a:tc>
-                  <a:txBody>
-                    <a:bodyPr/>
-                    <a:lstStyle/>
-                    <a:p>
-                      <a:pPr marL="285750" indent="-285750">
-                        <a:buFontTx/>
-                        <a:buChar char="-"/>
-                      </a:pPr>
-                      <a:r>
-                        <a:rPr lang="en-US" dirty="0" smtClean="0"/>
-                        <a:t>Learn ruby on rails.</a:t>
-                      </a:r>
-                      <a:endParaRPr lang="en-US" baseline="0" dirty="0" smtClean="0"/>
-                    </a:p>
-                    <a:p>
-                      <a:pPr marL="285750" indent="-285750">
-                        <a:buFontTx/>
-                        <a:buChar char="-"/>
-                      </a:pPr>
-                      <a:r>
-                        <a:rPr lang="en-US" baseline="0" dirty="0" smtClean="0"/>
-                        <a:t>Create the layout for the index page and host it locally </a:t>
-                      </a:r>
-                    </a:p>
-                    <a:p>
-                      <a:pPr marL="285750" indent="-285750">
-                        <a:buFontTx/>
-                        <a:buChar char="-"/>
-                      </a:pPr>
-                      <a:r>
-                        <a:rPr lang="en-US" baseline="0" dirty="0" smtClean="0"/>
-                        <a:t>Add images/videos and combine all pages into the one page and format/index them</a:t>
-                      </a:r>
-                    </a:p>
-                    <a:p>
-                      <a:pPr marL="0" indent="0">
-                        <a:buFontTx/>
-                        <a:buNone/>
-                      </a:pPr>
-                      <a:endParaRPr lang="en-US" baseline="0" dirty="0" smtClean="0"/>
-                    </a:p>
-                  </a:txBody>
-                  <a:tcPr/>
-                </a:tc>
-                <a:tc>
-                  <a:txBody>
-                    <a:bodyPr/>
-                    <a:lstStyle/>
-                    <a:p>
-                      <a:pPr marL="285750" indent="-285750">
-                        <a:buFontTx/>
-                        <a:buChar char="-"/>
-                      </a:pPr>
-                      <a:r>
-                        <a:rPr lang="en-US" dirty="0" smtClean="0"/>
-                        <a:t>As a</a:t>
-                      </a:r>
-                      <a:r>
-                        <a:rPr lang="en-US" baseline="0" dirty="0" smtClean="0"/>
-                        <a:t> potential customer, I want to see the costs/benefits of using Classroom Hero to decide to use it</a:t>
-                      </a:r>
-                    </a:p>
-                    <a:p>
-                      <a:pPr marL="285750" indent="-285750">
-                        <a:buFontTx/>
-                        <a:buChar char="-"/>
-                      </a:pPr>
-                      <a:r>
-                        <a:rPr lang="en-US" baseline="0" dirty="0" smtClean="0"/>
-                        <a:t>As a potential customer I want a tutorial to see how Classroom Hero is used</a:t>
-                      </a:r>
-                    </a:p>
-                  </a:txBody>
-                  <a:tcPr/>
-                </a:tc>
-              </a:tr>
-              <a:tr h="696230">
-                <a:tc>
-                  <a:txBody>
-                    <a:bodyPr/>
-                    <a:lstStyle/>
-                    <a:p>
-                      <a:r>
-                        <a:rPr lang="en-US" dirty="0" smtClean="0"/>
-                        <a:t>Sprint 2</a:t>
-                      </a:r>
-                      <a:endParaRPr lang="en-US" dirty="0"/>
-                    </a:p>
-                  </a:txBody>
-                  <a:tcPr/>
-                </a:tc>
-                <a:tc>
-                  <a:txBody>
-                    <a:bodyPr/>
-                    <a:lstStyle/>
-                    <a:p>
-                      <a:pPr marL="285750" indent="-285750">
-                        <a:buFontTx/>
-                        <a:buChar char="-"/>
-                      </a:pPr>
-                      <a:r>
-                        <a:rPr lang="en-US" dirty="0" smtClean="0"/>
-                        <a:t>Interactive sign up tutorial</a:t>
-                      </a:r>
-                    </a:p>
-                    <a:p>
-                      <a:pPr marL="285750" indent="-285750">
-                        <a:buFontTx/>
-                        <a:buChar char="-"/>
-                      </a:pPr>
-                      <a:r>
-                        <a:rPr lang="en-US" dirty="0" smtClean="0"/>
-                        <a:t>Informational tutorial</a:t>
-                      </a:r>
-                      <a:endParaRPr lang="en-US" dirty="0"/>
-                    </a:p>
-                  </a:txBody>
-                  <a:tcPr/>
-                </a:tc>
-                <a:tc>
-                  <a:txBody>
-                    <a:bodyPr/>
-                    <a:lstStyle/>
-                    <a:p>
-                      <a:pPr marL="285750" indent="-285750">
-                        <a:buFontTx/>
-                        <a:buChar char="-"/>
-                      </a:pPr>
-                      <a:r>
-                        <a:rPr lang="en-US" dirty="0" smtClean="0"/>
-                        <a:t>As a potential</a:t>
-                      </a:r>
-                      <a:r>
-                        <a:rPr lang="en-US" baseline="0" dirty="0" smtClean="0"/>
-                        <a:t> customer, I want a tutorial to learn about classroom hero</a:t>
-                      </a:r>
-                    </a:p>
-                    <a:p>
-                      <a:pPr marL="285750" indent="-285750">
-                        <a:buFontTx/>
-                        <a:buChar char="-"/>
-                      </a:pPr>
-                      <a:r>
-                        <a:rPr lang="en-US" baseline="0" dirty="0" smtClean="0"/>
-                        <a:t>As a teacher making an account, I want an interactive tutorial that helps/informs me</a:t>
-                      </a:r>
-                      <a:endParaRPr lang="en-US" dirty="0"/>
-                    </a:p>
-                  </a:txBody>
-                  <a:tcPr/>
-                </a:tc>
-              </a:tr>
-              <a:tr h="696230">
-                <a:tc>
-                  <a:txBody>
-                    <a:bodyPr/>
-                    <a:lstStyle/>
-                    <a:p>
-                      <a:r>
-                        <a:rPr lang="en-US" dirty="0" smtClean="0"/>
-                        <a:t>Sprint 3</a:t>
-                      </a:r>
-                      <a:endParaRPr lang="en-US" dirty="0"/>
-                    </a:p>
-                  </a:txBody>
-                  <a:tcPr/>
-                </a:tc>
-                <a:tc>
-                  <a:txBody>
-                    <a:bodyPr/>
-                    <a:lstStyle/>
-                    <a:p>
-                      <a:pPr marL="285750" indent="-285750">
-                        <a:buFontTx/>
-                        <a:buChar char="-"/>
-                      </a:pPr>
-                      <a:r>
-                        <a:rPr lang="en-US" baseline="0" dirty="0" smtClean="0"/>
-                        <a:t>Set up teacher home page</a:t>
-                      </a:r>
-                    </a:p>
-                    <a:p>
-                      <a:pPr marL="285750" indent="-285750">
-                        <a:buFontTx/>
-                        <a:buChar char="-"/>
-                      </a:pPr>
-                      <a:r>
-                        <a:rPr lang="en-US" dirty="0" smtClean="0"/>
-                        <a:t>Add</a:t>
-                      </a:r>
-                      <a:r>
-                        <a:rPr lang="en-US" baseline="0" dirty="0" smtClean="0"/>
-                        <a:t> edit account settings</a:t>
-                      </a:r>
-                    </a:p>
-                    <a:p>
-                      <a:pPr marL="285750" indent="-285750">
-                        <a:buFontTx/>
-                        <a:buChar char="-"/>
-                      </a:pPr>
-                      <a:r>
-                        <a:rPr lang="en-US" baseline="0" dirty="0" smtClean="0"/>
-                        <a:t>Add statistical readouts</a:t>
-                      </a:r>
-                      <a:endParaRPr lang="en-US" dirty="0"/>
-                    </a:p>
-                  </a:txBody>
-                  <a:tcPr/>
-                </a:tc>
-                <a:tc>
-                  <a:txBody>
-                    <a:bodyPr/>
-                    <a:lstStyle/>
-                    <a:p>
-                      <a:pPr marL="285750" indent="-285750">
-                        <a:buFontTx/>
-                        <a:buChar char="-"/>
-                      </a:pPr>
-                      <a:r>
-                        <a:rPr lang="en-US" baseline="0" dirty="0" smtClean="0"/>
-                        <a:t>As a teacher, I want to edit my account settings</a:t>
-                      </a:r>
-                    </a:p>
-                    <a:p>
-                      <a:pPr marL="285750" indent="-285750">
-                        <a:buFontTx/>
-                        <a:buChar char="-"/>
-                      </a:pPr>
-                      <a:r>
-                        <a:rPr lang="en-US" baseline="0" dirty="0" smtClean="0"/>
-                        <a:t>As a teacher, I want to see statistical readouts to see how my students are doing</a:t>
-                      </a:r>
-                      <a:endParaRPr lang="en-US" dirty="0"/>
-                    </a:p>
-                  </a:txBody>
-                  <a:tcPr/>
-                </a:tc>
-              </a:tr>
-            </a:tbl>
-          </a:graphicData>
-        </a:graphic>
-      </p:graphicFrame>
-    </p:spTree>
-    <p:extLst>
-      <p:ext uri="{BB962C8B-B14F-4D97-AF65-F5344CB8AC3E}">
-        <p14:creationId xmlns:p14="http://schemas.microsoft.com/office/powerpoint/2010/main" val="97768245"/>
-      </p:ext>
-    </p:extLst>
-  </p:cSld>
-  <p:clrMapOvr>
-    <a:masterClrMapping/>
-  </p:clrMapOvr>
-  <p:timing>
-    <p:tnLst>
-      <p:par>
-        <p:cTn xmlns:p14="http://schemas.microsoft.com/office/powerpoint/2010/main" id="1" dur="indefinite" restart="never" nodeType="tmRoot"/>
-      </p:par>
-    </p:tnLst>
-  </p:timing>
 </p:sld>
 </file>
 
@@ -4447,16 +4009,12 @@
               <a:buChar char="●"/>
             </a:pPr>
             <a:r>
+              <a:rPr lang="en-US" smtClean="0"/>
+              <a:t>Re-design </a:t>
+            </a:r>
+            <a:r>
               <a:rPr lang="en-US" dirty="0"/>
-              <a:t>R</a:t>
-            </a:r>
-            <a:r>
-              <a:rPr lang="en-US" dirty="0" smtClean="0"/>
-              <a:t>e </a:t>
-            </a:r>
-            <a:r>
-              <a:rPr lang="en-US" dirty="0"/>
-              <a:t>design the front end for the Classroom Hero website with rails and bootstrap. </a:t>
+              <a:t>the front end for the Classroom Hero website with rails and bootstrap. </a:t>
             </a:r>
             <a:endParaRPr lang="en" dirty="0"/>
           </a:p>
